--- a/PPT/EmojAI_Batch-01_PPT2.pptx
+++ b/PPT/EmojAI_Batch-01_PPT2.pptx
@@ -16,8 +16,9 @@
     <p:sldId id="266" r:id="rId10"/>
     <p:sldId id="262" r:id="rId11"/>
     <p:sldId id="267" r:id="rId12"/>
-    <p:sldId id="268" r:id="rId13"/>
-    <p:sldId id="264" r:id="rId14"/>
+    <p:sldId id="271" r:id="rId13"/>
+    <p:sldId id="268" r:id="rId14"/>
+    <p:sldId id="264" r:id="rId15"/>
   </p:sldIdLst>
   <p:sldSz cx="12192000" cy="6858000"/>
   <p:notesSz cx="6858000" cy="9144000"/>
@@ -335,7 +336,7 @@
           <a:p>
             <a:fld id="{F06C50F5-833C-884B-A98B-A44FA3D00C65}" type="datetimeFigureOut">
               <a:rPr lang="en-US" smtClean="0"/>
-              <a:t>5/2/2025</a:t>
+              <a:t>5/12/2025</a:t>
             </a:fld>
             <a:endParaRPr lang="en-US"/>
           </a:p>
@@ -575,7 +576,7 @@
           <a:p>
             <a:fld id="{F06C50F5-833C-884B-A98B-A44FA3D00C65}" type="datetimeFigureOut">
               <a:rPr lang="en-US" smtClean="0"/>
-              <a:t>5/2/2025</a:t>
+              <a:t>5/12/2025</a:t>
             </a:fld>
             <a:endParaRPr lang="en-US"/>
           </a:p>
@@ -941,7 +942,7 @@
           <a:p>
             <a:fld id="{F06C50F5-833C-884B-A98B-A44FA3D00C65}" type="datetimeFigureOut">
               <a:rPr lang="en-US" smtClean="0"/>
-              <a:t>5/2/2025</a:t>
+              <a:t>5/12/2025</a:t>
             </a:fld>
             <a:endParaRPr lang="en-US"/>
           </a:p>
@@ -1247,7 +1248,7 @@
           <a:p>
             <a:fld id="{F06C50F5-833C-884B-A98B-A44FA3D00C65}" type="datetimeFigureOut">
               <a:rPr lang="en-US" smtClean="0"/>
-              <a:t>5/2/2025</a:t>
+              <a:t>5/12/2025</a:t>
             </a:fld>
             <a:endParaRPr lang="en-US"/>
           </a:p>
@@ -1701,7 +1702,7 @@
           <a:p>
             <a:fld id="{F06C50F5-833C-884B-A98B-A44FA3D00C65}" type="datetimeFigureOut">
               <a:rPr lang="en-US" smtClean="0"/>
-              <a:t>5/2/2025</a:t>
+              <a:t>5/12/2025</a:t>
             </a:fld>
             <a:endParaRPr lang="en-US"/>
           </a:p>
@@ -1875,7 +1876,7 @@
           <a:p>
             <a:fld id="{F06C50F5-833C-884B-A98B-A44FA3D00C65}" type="datetimeFigureOut">
               <a:rPr lang="en-US" smtClean="0"/>
-              <a:t>5/2/2025</a:t>
+              <a:t>5/12/2025</a:t>
             </a:fld>
             <a:endParaRPr lang="en-US"/>
           </a:p>
@@ -2012,7 +2013,7 @@
           <a:p>
             <a:fld id="{F06C50F5-833C-884B-A98B-A44FA3D00C65}" type="datetimeFigureOut">
               <a:rPr lang="en-US" smtClean="0"/>
-              <a:t>5/2/2025</a:t>
+              <a:t>5/12/2025</a:t>
             </a:fld>
             <a:endParaRPr lang="en-US"/>
           </a:p>
@@ -2358,7 +2359,7 @@
           <a:p>
             <a:fld id="{F06C50F5-833C-884B-A98B-A44FA3D00C65}" type="datetimeFigureOut">
               <a:rPr lang="en-US" smtClean="0"/>
-              <a:t>5/2/2025</a:t>
+              <a:t>5/12/2025</a:t>
             </a:fld>
             <a:endParaRPr lang="en-US"/>
           </a:p>
@@ -2680,7 +2681,7 @@
           <a:p>
             <a:fld id="{F06C50F5-833C-884B-A98B-A44FA3D00C65}" type="datetimeFigureOut">
               <a:rPr lang="en-US" smtClean="0"/>
-              <a:t>5/2/2025</a:t>
+              <a:t>5/12/2025</a:t>
             </a:fld>
             <a:endParaRPr lang="en-US"/>
           </a:p>
@@ -2939,7 +2940,7 @@
           <a:p>
             <a:fld id="{F06C50F5-833C-884B-A98B-A44FA3D00C65}" type="datetimeFigureOut">
               <a:rPr lang="en-US" smtClean="0"/>
-              <a:t>5/2/2025</a:t>
+              <a:t>5/12/2025</a:t>
             </a:fld>
             <a:endParaRPr lang="en-US"/>
           </a:p>
@@ -4091,6 +4092,188 @@
   <p:cSld>
     <p:spTree>
       <p:nvGrpSpPr>
+        <p:cNvPr id="1" name="">
+          <a:extLst>
+            <a:ext uri="{FF2B5EF4-FFF2-40B4-BE49-F238E27FC236}">
+              <a16:creationId xmlns:a16="http://schemas.microsoft.com/office/drawing/2014/main" id="{2F479031-C405-F56D-1E22-BE67FB6913C4}"/>
+            </a:ext>
+          </a:extLst>
+        </p:cNvPr>
+        <p:cNvGrpSpPr/>
+        <p:nvPr/>
+      </p:nvGrpSpPr>
+      <p:grpSpPr>
+        <a:xfrm>
+          <a:off x="0" y="0"/>
+          <a:ext cx="0" cy="0"/>
+          <a:chOff x="0" y="0"/>
+          <a:chExt cx="0" cy="0"/>
+        </a:xfrm>
+      </p:grpSpPr>
+      <p:sp>
+        <p:nvSpPr>
+          <p:cNvPr id="4" name="TextBox 3">
+            <a:extLst>
+              <a:ext uri="{FF2B5EF4-FFF2-40B4-BE49-F238E27FC236}">
+                <a16:creationId xmlns:a16="http://schemas.microsoft.com/office/drawing/2014/main" id="{28E8E732-32AB-0506-033D-764C36AC8CBF}"/>
+              </a:ext>
+            </a:extLst>
+          </p:cNvPr>
+          <p:cNvSpPr txBox="1"/>
+          <p:nvPr/>
+        </p:nvSpPr>
+        <p:spPr>
+          <a:xfrm>
+            <a:off x="990447" y="627699"/>
+            <a:ext cx="5778000" cy="400110"/>
+          </a:xfrm>
+          <a:prstGeom prst="rect">
+            <a:avLst/>
+          </a:prstGeom>
+          <a:noFill/>
+        </p:spPr>
+        <p:txBody>
+          <a:bodyPr wrap="square" rtlCol="0">
+            <a:spAutoFit/>
+          </a:bodyPr>
+          <a:lstStyle>
+            <a:defPPr>
+              <a:defRPr lang="en-US"/>
+            </a:defPPr>
+            <a:lvl1pPr algn="ctr">
+              <a:defRPr sz="2000" b="1">
+                <a:latin typeface="Times New Roman" panose="02020603050405020304" pitchFamily="18" charset="0"/>
+                <a:cs typeface="Times New Roman" panose="02020603050405020304" pitchFamily="18" charset="0"/>
+              </a:defRPr>
+            </a:lvl1pPr>
+          </a:lstStyle>
+          <a:p>
+            <a:r>
+              <a:rPr lang="en-IN" dirty="0"/>
+              <a:t>Code: </a:t>
+            </a:r>
+            <a:r>
+              <a:rPr lang="en-US" b="1" dirty="0"/>
+              <a:t>EmojAI</a:t>
+            </a:r>
+            <a:endParaRPr lang="en-IN" dirty="0"/>
+          </a:p>
+        </p:txBody>
+      </p:sp>
+      <p:sp>
+        <p:nvSpPr>
+          <p:cNvPr id="5" name="TextBox 4">
+            <a:extLst>
+              <a:ext uri="{FF2B5EF4-FFF2-40B4-BE49-F238E27FC236}">
+                <a16:creationId xmlns:a16="http://schemas.microsoft.com/office/drawing/2014/main" id="{1EEFC490-4F3C-2ED0-14E9-E1CC28677D9E}"/>
+              </a:ext>
+            </a:extLst>
+          </p:cNvPr>
+          <p:cNvSpPr txBox="1"/>
+          <p:nvPr/>
+        </p:nvSpPr>
+        <p:spPr>
+          <a:xfrm>
+            <a:off x="11415861" y="6268824"/>
+            <a:ext cx="622168" cy="523220"/>
+          </a:xfrm>
+          <a:prstGeom prst="rect">
+            <a:avLst/>
+          </a:prstGeom>
+          <a:noFill/>
+        </p:spPr>
+        <p:txBody>
+          <a:bodyPr wrap="square" rtlCol="0">
+            <a:spAutoFit/>
+          </a:bodyPr>
+          <a:lstStyle/>
+          <a:p>
+            <a:r>
+              <a:rPr lang="en-IN" sz="2800" dirty="0">
+                <a:latin typeface="Times New Roman" panose="02020603050405020304" pitchFamily="18" charset="0"/>
+                <a:cs typeface="Times New Roman" panose="02020603050405020304" pitchFamily="18" charset="0"/>
+              </a:rPr>
+              <a:t>10</a:t>
+            </a:r>
+          </a:p>
+        </p:txBody>
+      </p:sp>
+      <p:pic>
+        <p:nvPicPr>
+          <p:cNvPr id="6" name="Picture 5" descr="A screen shot of a computer program&#10;&#10;AI-generated content may be incorrect.">
+            <a:extLst>
+              <a:ext uri="{FF2B5EF4-FFF2-40B4-BE49-F238E27FC236}">
+                <a16:creationId xmlns:a16="http://schemas.microsoft.com/office/drawing/2014/main" id="{A25666C3-28CF-5816-EC13-EDA3F4186403}"/>
+              </a:ext>
+            </a:extLst>
+          </p:cNvPr>
+          <p:cNvPicPr>
+            <a:picLocks noChangeAspect="1"/>
+          </p:cNvPicPr>
+          <p:nvPr/>
+        </p:nvPicPr>
+        <p:blipFill>
+          <a:blip r:embed="rId2"/>
+          <a:srcRect l="10240" t="20842" r="13185" b="12644"/>
+          <a:stretch/>
+        </p:blipFill>
+        <p:spPr>
+          <a:xfrm>
+            <a:off x="990447" y="1365331"/>
+            <a:ext cx="4498878" cy="3857118"/>
+          </a:xfrm>
+          <a:prstGeom prst="rect">
+            <a:avLst/>
+          </a:prstGeom>
+        </p:spPr>
+      </p:pic>
+      <p:pic>
+        <p:nvPicPr>
+          <p:cNvPr id="8" name="Picture 7" descr="A screen shot of a computer screen&#10;&#10;AI-generated content may be incorrect.">
+            <a:extLst>
+              <a:ext uri="{FF2B5EF4-FFF2-40B4-BE49-F238E27FC236}">
+                <a16:creationId xmlns:a16="http://schemas.microsoft.com/office/drawing/2014/main" id="{9ED00069-1E75-A392-FCE7-862D306D65AC}"/>
+              </a:ext>
+            </a:extLst>
+          </p:cNvPr>
+          <p:cNvPicPr>
+            <a:picLocks noChangeAspect="1"/>
+          </p:cNvPicPr>
+          <p:nvPr/>
+        </p:nvPicPr>
+        <p:blipFill>
+          <a:blip r:embed="rId3"/>
+          <a:srcRect l="5575" t="9152" r="5575" b="8591"/>
+          <a:stretch/>
+        </p:blipFill>
+        <p:spPr>
+          <a:xfrm>
+            <a:off x="5730956" y="1027809"/>
+            <a:ext cx="4887526" cy="5202492"/>
+          </a:xfrm>
+          <a:prstGeom prst="rect">
+            <a:avLst/>
+          </a:prstGeom>
+        </p:spPr>
+      </p:pic>
+    </p:spTree>
+    <p:extLst>
+      <p:ext uri="{BB962C8B-B14F-4D97-AF65-F5344CB8AC3E}">
+        <p14:creationId xmlns:p14="http://schemas.microsoft.com/office/powerpoint/2010/main" val="106372570"/>
+      </p:ext>
+    </p:extLst>
+  </p:cSld>
+  <p:clrMapOvr>
+    <a:masterClrMapping/>
+  </p:clrMapOvr>
+</p:sld>
+</file>
+
+<file path=ppt/slides/slide13.xml><?xml version="1.0" encoding="utf-8"?>
+<p:sld xmlns:a="http://schemas.openxmlformats.org/drawingml/2006/main" xmlns:r="http://schemas.openxmlformats.org/officeDocument/2006/relationships" xmlns:p="http://schemas.openxmlformats.org/presentationml/2006/main">
+  <p:cSld>
+    <p:spTree>
+      <p:nvGrpSpPr>
         <p:cNvPr id="1" name=""/>
         <p:cNvGrpSpPr/>
         <p:nvPr/>
@@ -4230,7 +4413,7 @@
 </p:sld>
 </file>
 
-<file path=ppt/slides/slide13.xml><?xml version="1.0" encoding="utf-8"?>
+<file path=ppt/slides/slide14.xml><?xml version="1.0" encoding="utf-8"?>
 <p:sld xmlns:a="http://schemas.openxmlformats.org/drawingml/2006/main" xmlns:r="http://schemas.openxmlformats.org/officeDocument/2006/relationships" xmlns:p="http://schemas.openxmlformats.org/presentationml/2006/main">
   <p:cSld>
     <p:spTree>
